--- a/CONTROL PARENTAL.pptx
+++ b/CONTROL PARENTAL.pptx
@@ -284,7 +284,7 @@
           <a:p>
             <a:fld id="{F2A9C4BB-7FBF-4480-9AB7-7564D143DE6A}" type="datetimeFigureOut">
               <a:rPr lang="es-ES" smtClean="0"/>
-              <a:t>15/03/2019</a:t>
+              <a:t>17/3/19</a:t>
             </a:fld>
             <a:endParaRPr lang="es-ES"/>
           </a:p>
@@ -482,7 +482,7 @@
           <a:p>
             <a:fld id="{F2A9C4BB-7FBF-4480-9AB7-7564D143DE6A}" type="datetimeFigureOut">
               <a:rPr lang="es-ES" smtClean="0"/>
-              <a:t>15/03/2019</a:t>
+              <a:t>17/3/19</a:t>
             </a:fld>
             <a:endParaRPr lang="es-ES"/>
           </a:p>
@@ -690,7 +690,7 @@
           <a:p>
             <a:fld id="{F2A9C4BB-7FBF-4480-9AB7-7564D143DE6A}" type="datetimeFigureOut">
               <a:rPr lang="es-ES" smtClean="0"/>
-              <a:t>15/03/2019</a:t>
+              <a:t>17/3/19</a:t>
             </a:fld>
             <a:endParaRPr lang="es-ES"/>
           </a:p>
@@ -888,7 +888,7 @@
           <a:p>
             <a:fld id="{F2A9C4BB-7FBF-4480-9AB7-7564D143DE6A}" type="datetimeFigureOut">
               <a:rPr lang="es-ES" smtClean="0"/>
-              <a:t>15/03/2019</a:t>
+              <a:t>17/3/19</a:t>
             </a:fld>
             <a:endParaRPr lang="es-ES"/>
           </a:p>
@@ -1163,7 +1163,7 @@
           <a:p>
             <a:fld id="{F2A9C4BB-7FBF-4480-9AB7-7564D143DE6A}" type="datetimeFigureOut">
               <a:rPr lang="es-ES" smtClean="0"/>
-              <a:t>15/03/2019</a:t>
+              <a:t>17/3/19</a:t>
             </a:fld>
             <a:endParaRPr lang="es-ES"/>
           </a:p>
@@ -1428,7 +1428,7 @@
           <a:p>
             <a:fld id="{F2A9C4BB-7FBF-4480-9AB7-7564D143DE6A}" type="datetimeFigureOut">
               <a:rPr lang="es-ES" smtClean="0"/>
-              <a:t>15/03/2019</a:t>
+              <a:t>17/3/19</a:t>
             </a:fld>
             <a:endParaRPr lang="es-ES"/>
           </a:p>
@@ -1840,7 +1840,7 @@
           <a:p>
             <a:fld id="{F2A9C4BB-7FBF-4480-9AB7-7564D143DE6A}" type="datetimeFigureOut">
               <a:rPr lang="es-ES" smtClean="0"/>
-              <a:t>15/03/2019</a:t>
+              <a:t>17/3/19</a:t>
             </a:fld>
             <a:endParaRPr lang="es-ES"/>
           </a:p>
@@ -1981,7 +1981,7 @@
           <a:p>
             <a:fld id="{F2A9C4BB-7FBF-4480-9AB7-7564D143DE6A}" type="datetimeFigureOut">
               <a:rPr lang="es-ES" smtClean="0"/>
-              <a:t>15/03/2019</a:t>
+              <a:t>17/3/19</a:t>
             </a:fld>
             <a:endParaRPr lang="es-ES"/>
           </a:p>
@@ -2094,7 +2094,7 @@
           <a:p>
             <a:fld id="{F2A9C4BB-7FBF-4480-9AB7-7564D143DE6A}" type="datetimeFigureOut">
               <a:rPr lang="es-ES" smtClean="0"/>
-              <a:t>15/03/2019</a:t>
+              <a:t>17/3/19</a:t>
             </a:fld>
             <a:endParaRPr lang="es-ES"/>
           </a:p>
@@ -2405,7 +2405,7 @@
           <a:p>
             <a:fld id="{F2A9C4BB-7FBF-4480-9AB7-7564D143DE6A}" type="datetimeFigureOut">
               <a:rPr lang="es-ES" smtClean="0"/>
-              <a:t>15/03/2019</a:t>
+              <a:t>17/3/19</a:t>
             </a:fld>
             <a:endParaRPr lang="es-ES"/>
           </a:p>
@@ -2693,7 +2693,7 @@
           <a:p>
             <a:fld id="{F2A9C4BB-7FBF-4480-9AB7-7564D143DE6A}" type="datetimeFigureOut">
               <a:rPr lang="es-ES" smtClean="0"/>
-              <a:t>15/03/2019</a:t>
+              <a:t>17/3/19</a:t>
             </a:fld>
             <a:endParaRPr lang="es-ES"/>
           </a:p>
@@ -2934,7 +2934,7 @@
           <a:p>
             <a:fld id="{F2A9C4BB-7FBF-4480-9AB7-7564D143DE6A}" type="datetimeFigureOut">
               <a:rPr lang="es-ES" smtClean="0"/>
-              <a:t>15/03/2019</a:t>
+              <a:t>17/3/19</a:t>
             </a:fld>
             <a:endParaRPr lang="es-ES"/>
           </a:p>
@@ -3492,7 +3492,7 @@
             </a:r>
             <a:r>
               <a:rPr lang="es-ES" dirty="0" err="1"/>
-              <a:t>Vellarinos</a:t>
+              <a:t>Vellarino</a:t>
             </a:r>
             <a:endParaRPr lang="es-ES" dirty="0"/>
           </a:p>
@@ -6118,6 +6118,168 @@
           </a:p>
         </p:txBody>
       </p:sp>
+      <p:pic>
+        <p:nvPicPr>
+          <p:cNvPr id="4" name="Imagen 3">
+            <a:extLst>
+              <a:ext uri="{FF2B5EF4-FFF2-40B4-BE49-F238E27FC236}">
+                <a16:creationId xmlns:a16="http://schemas.microsoft.com/office/drawing/2014/main" id="{FCD1DDA5-3497-E643-ADC3-CE2E55C0D4E7}"/>
+              </a:ext>
+            </a:extLst>
+          </p:cNvPr>
+          <p:cNvPicPr>
+            <a:picLocks noChangeAspect="1"/>
+          </p:cNvPicPr>
+          <p:nvPr/>
+        </p:nvPicPr>
+        <p:blipFill>
+          <a:blip r:embed="rId2"/>
+          <a:stretch>
+            <a:fillRect/>
+          </a:stretch>
+        </p:blipFill>
+        <p:spPr>
+          <a:xfrm>
+            <a:off x="0" y="0"/>
+            <a:ext cx="12192000" cy="6858000"/>
+          </a:xfrm>
+          <a:prstGeom prst="rect">
+            <a:avLst/>
+          </a:prstGeom>
+        </p:spPr>
+      </p:pic>
+      <p:pic>
+        <p:nvPicPr>
+          <p:cNvPr id="7" name="Imagen 6" descr="Imagen que contiene texto, mapa&#10;&#10;Descripción generada automáticamente">
+            <a:extLst>
+              <a:ext uri="{FF2B5EF4-FFF2-40B4-BE49-F238E27FC236}">
+                <a16:creationId xmlns:a16="http://schemas.microsoft.com/office/drawing/2014/main" id="{9D510CF8-A6D8-D541-886B-AFE7E08E57D3}"/>
+              </a:ext>
+            </a:extLst>
+          </p:cNvPr>
+          <p:cNvPicPr>
+            <a:picLocks noChangeAspect="1"/>
+          </p:cNvPicPr>
+          <p:nvPr/>
+        </p:nvPicPr>
+        <p:blipFill>
+          <a:blip r:embed="rId3">
+            <a:extLst>
+              <a:ext uri="{28A0092B-C50C-407E-A947-70E740481C1C}">
+                <a14:useLocalDpi xmlns:a14="http://schemas.microsoft.com/office/drawing/2010/main" val="0"/>
+              </a:ext>
+            </a:extLst>
+          </a:blip>
+          <a:stretch>
+            <a:fillRect/>
+          </a:stretch>
+        </p:blipFill>
+        <p:spPr>
+          <a:xfrm>
+            <a:off x="523492" y="828033"/>
+            <a:ext cx="2903497" cy="5496223"/>
+          </a:xfrm>
+          <a:prstGeom prst="rect">
+            <a:avLst/>
+          </a:prstGeom>
+        </p:spPr>
+      </p:pic>
+      <p:sp>
+        <p:nvSpPr>
+          <p:cNvPr id="8" name="CuadroTexto 7">
+            <a:extLst>
+              <a:ext uri="{FF2B5EF4-FFF2-40B4-BE49-F238E27FC236}">
+                <a16:creationId xmlns:a16="http://schemas.microsoft.com/office/drawing/2014/main" id="{EFAAB299-6352-234C-AE1B-6883F6929067}"/>
+              </a:ext>
+            </a:extLst>
+          </p:cNvPr>
+          <p:cNvSpPr txBox="1"/>
+          <p:nvPr/>
+        </p:nvSpPr>
+        <p:spPr>
+          <a:xfrm>
+            <a:off x="3905003" y="3078308"/>
+            <a:ext cx="7301133" cy="2246769"/>
+          </a:xfrm>
+          <a:prstGeom prst="rect">
+            <a:avLst/>
+          </a:prstGeom>
+          <a:noFill/>
+        </p:spPr>
+        <p:txBody>
+          <a:bodyPr wrap="square" rtlCol="0">
+            <a:spAutoFit/>
+          </a:bodyPr>
+          <a:lstStyle/>
+          <a:p>
+            <a:pPr marL="285750" indent="-285750">
+              <a:buFont typeface="Arial" panose="020B0604020202020204" pitchFamily="34" charset="0"/>
+              <a:buChar char="•"/>
+            </a:pPr>
+            <a:r>
+              <a:rPr lang="es-ES" sz="2000" b="1" dirty="0"/>
+              <a:t>Mediante la aplicación web, monitorizar y controlar nuestro dispositivo de control parental, de modo que podamos permitir o no el encendido del dispositivo, controlar el tiempo de uso o establecer un tiempo máximo de uso para el mismo. </a:t>
+            </a:r>
+          </a:p>
+          <a:p>
+            <a:pPr marL="285750" indent="-285750">
+              <a:buFont typeface="Arial" panose="020B0604020202020204" pitchFamily="34" charset="0"/>
+              <a:buChar char="•"/>
+            </a:pPr>
+            <a:endParaRPr lang="es-ES" sz="2000" b="1" dirty="0"/>
+          </a:p>
+          <a:p>
+            <a:pPr marL="285750" indent="-285750">
+              <a:buFont typeface="Arial" panose="020B0604020202020204" pitchFamily="34" charset="0"/>
+              <a:buChar char="•"/>
+            </a:pPr>
+            <a:r>
+              <a:rPr lang="es-ES" sz="2000" b="1" dirty="0"/>
+              <a:t>Además de poder saber si nuestro dispositivo está o no conectado a la corriente eléctrica desde fuera de casa.</a:t>
+            </a:r>
+          </a:p>
+        </p:txBody>
+      </p:sp>
+      <p:sp>
+        <p:nvSpPr>
+          <p:cNvPr id="9" name="Rectángulo 8">
+            <a:extLst>
+              <a:ext uri="{FF2B5EF4-FFF2-40B4-BE49-F238E27FC236}">
+                <a16:creationId xmlns:a16="http://schemas.microsoft.com/office/drawing/2014/main" id="{88B6C11B-65A0-7042-8D24-9A2FB9D058DE}"/>
+              </a:ext>
+            </a:extLst>
+          </p:cNvPr>
+          <p:cNvSpPr/>
+          <p:nvPr/>
+        </p:nvSpPr>
+        <p:spPr>
+          <a:xfrm>
+            <a:off x="6445416" y="2088978"/>
+            <a:ext cx="2210862" cy="523220"/>
+          </a:xfrm>
+          <a:prstGeom prst="rect">
+            <a:avLst/>
+          </a:prstGeom>
+        </p:spPr>
+        <p:txBody>
+          <a:bodyPr wrap="none">
+            <a:spAutoFit/>
+          </a:bodyPr>
+          <a:lstStyle/>
+          <a:p>
+            <a:r>
+              <a:rPr lang="es-ES" sz="2800" b="1" dirty="0">
+                <a:solidFill>
+                  <a:schemeClr val="accent1">
+                    <a:lumMod val="75000"/>
+                  </a:schemeClr>
+                </a:solidFill>
+              </a:rPr>
+              <a:t>Idea Principal</a:t>
+            </a:r>
+          </a:p>
+        </p:txBody>
+      </p:sp>
     </p:spTree>
     <p:extLst>
       <p:ext uri="{BB962C8B-B14F-4D97-AF65-F5344CB8AC3E}">
@@ -6250,8 +6412,8 @@
         </p:nvSpPr>
         <p:spPr>
           <a:xfrm>
-            <a:off x="4329830" y="2146087"/>
-            <a:ext cx="3987452" cy="1200329"/>
+            <a:off x="4329830" y="2274837"/>
+            <a:ext cx="6706032" cy="2800767"/>
           </a:xfrm>
           <a:prstGeom prst="rect">
             <a:avLst/>
@@ -6264,19 +6426,96 @@
           </a:bodyPr>
           <a:lstStyle/>
           <a:p>
-            <a:endParaRPr lang="es-ES"/>
-          </a:p>
-          <a:p>
-            <a:endParaRPr lang="es-ES"/>
-          </a:p>
-          <a:p>
-            <a:endParaRPr lang="es-ES"/>
+            <a:endParaRPr lang="es-ES" sz="2000" b="1" dirty="0"/>
+          </a:p>
+          <a:p>
+            <a:pPr marL="285750" indent="-285750">
+              <a:buFont typeface="Arial" panose="020B0604020202020204" pitchFamily="34" charset="0"/>
+              <a:buChar char="•"/>
+            </a:pPr>
+            <a:r>
+              <a:rPr lang="es-ES" sz="2000" b="1" dirty="0"/>
+              <a:t>Existen diferentes productos que actúan de “enchufe inteligente”</a:t>
+            </a:r>
+          </a:p>
+          <a:p>
+            <a:pPr marL="285750" indent="-285750">
+              <a:buFont typeface="Arial" panose="020B0604020202020204" pitchFamily="34" charset="0"/>
+              <a:buChar char="•"/>
+            </a:pPr>
+            <a:endParaRPr lang="es-ES" sz="2000" b="1" dirty="0"/>
+          </a:p>
+          <a:p>
+            <a:pPr marL="285750" indent="-285750">
+              <a:buFont typeface="Arial" panose="020B0604020202020204" pitchFamily="34" charset="0"/>
+              <a:buChar char="•"/>
+            </a:pPr>
+            <a:r>
+              <a:rPr lang="es-ES" sz="2000" b="1" dirty="0"/>
+              <a:t>Precio aproximado 30 € </a:t>
+            </a:r>
+          </a:p>
+          <a:p>
+            <a:pPr marL="285750" indent="-285750">
+              <a:buFont typeface="Arial" panose="020B0604020202020204" pitchFamily="34" charset="0"/>
+              <a:buChar char="•"/>
+            </a:pPr>
+            <a:endParaRPr lang="es-ES" sz="2000" b="1" dirty="0"/>
+          </a:p>
+          <a:p>
+            <a:pPr marL="285750" indent="-285750">
+              <a:buFont typeface="Arial" panose="020B0604020202020204" pitchFamily="34" charset="0"/>
+              <a:buChar char="•"/>
+            </a:pPr>
+            <a:r>
+              <a:rPr lang="es-ES" sz="2000" b="1" dirty="0"/>
+              <a:t>Ninguno enfocado al control parental</a:t>
+            </a:r>
           </a:p>
           <a:p>
             <a:endParaRPr lang="es-ES" dirty="0"/>
           </a:p>
-        </p:txBody>
-      </p:sp>
+          <a:p>
+            <a:endParaRPr lang="es-ES" dirty="0"/>
+          </a:p>
+        </p:txBody>
+      </p:sp>
+      <p:pic>
+        <p:nvPicPr>
+          <p:cNvPr id="6" name="Imagen 5" descr="Imagen que contiene interior&#10;&#10;Descripción generada automáticamente">
+            <a:extLst>
+              <a:ext uri="{FF2B5EF4-FFF2-40B4-BE49-F238E27FC236}">
+                <a16:creationId xmlns:a16="http://schemas.microsoft.com/office/drawing/2014/main" id="{12ABAD6B-4CDA-5442-88C0-10D53436E284}"/>
+              </a:ext>
+            </a:extLst>
+          </p:cNvPr>
+          <p:cNvPicPr>
+            <a:picLocks noChangeAspect="1"/>
+          </p:cNvPicPr>
+          <p:nvPr/>
+        </p:nvPicPr>
+        <p:blipFill>
+          <a:blip r:embed="rId2">
+            <a:extLst>
+              <a:ext uri="{28A0092B-C50C-407E-A947-70E740481C1C}">
+                <a14:useLocalDpi xmlns:a14="http://schemas.microsoft.com/office/drawing/2010/main" val="0"/>
+              </a:ext>
+            </a:extLst>
+          </a:blip>
+          <a:stretch>
+            <a:fillRect/>
+          </a:stretch>
+        </p:blipFill>
+        <p:spPr>
+          <a:xfrm>
+            <a:off x="772373" y="2146254"/>
+            <a:ext cx="2990601" cy="2565491"/>
+          </a:xfrm>
+          <a:prstGeom prst="rect">
+            <a:avLst/>
+          </a:prstGeom>
+        </p:spPr>
+      </p:pic>
     </p:spTree>
     <p:extLst>
       <p:ext uri="{BB962C8B-B14F-4D97-AF65-F5344CB8AC3E}">

--- a/CONTROL PARENTAL.pptx
+++ b/CONTROL PARENTAL.pptx
@@ -284,7 +284,7 @@
           <a:p>
             <a:fld id="{F2A9C4BB-7FBF-4480-9AB7-7564D143DE6A}" type="datetimeFigureOut">
               <a:rPr lang="es-ES" smtClean="0"/>
-              <a:t>17/3/19</a:t>
+              <a:t>18/3/19</a:t>
             </a:fld>
             <a:endParaRPr lang="es-ES"/>
           </a:p>
@@ -482,7 +482,7 @@
           <a:p>
             <a:fld id="{F2A9C4BB-7FBF-4480-9AB7-7564D143DE6A}" type="datetimeFigureOut">
               <a:rPr lang="es-ES" smtClean="0"/>
-              <a:t>17/3/19</a:t>
+              <a:t>18/3/19</a:t>
             </a:fld>
             <a:endParaRPr lang="es-ES"/>
           </a:p>
@@ -690,7 +690,7 @@
           <a:p>
             <a:fld id="{F2A9C4BB-7FBF-4480-9AB7-7564D143DE6A}" type="datetimeFigureOut">
               <a:rPr lang="es-ES" smtClean="0"/>
-              <a:t>17/3/19</a:t>
+              <a:t>18/3/19</a:t>
             </a:fld>
             <a:endParaRPr lang="es-ES"/>
           </a:p>
@@ -888,7 +888,7 @@
           <a:p>
             <a:fld id="{F2A9C4BB-7FBF-4480-9AB7-7564D143DE6A}" type="datetimeFigureOut">
               <a:rPr lang="es-ES" smtClean="0"/>
-              <a:t>17/3/19</a:t>
+              <a:t>18/3/19</a:t>
             </a:fld>
             <a:endParaRPr lang="es-ES"/>
           </a:p>
@@ -1163,7 +1163,7 @@
           <a:p>
             <a:fld id="{F2A9C4BB-7FBF-4480-9AB7-7564D143DE6A}" type="datetimeFigureOut">
               <a:rPr lang="es-ES" smtClean="0"/>
-              <a:t>17/3/19</a:t>
+              <a:t>18/3/19</a:t>
             </a:fld>
             <a:endParaRPr lang="es-ES"/>
           </a:p>
@@ -1428,7 +1428,7 @@
           <a:p>
             <a:fld id="{F2A9C4BB-7FBF-4480-9AB7-7564D143DE6A}" type="datetimeFigureOut">
               <a:rPr lang="es-ES" smtClean="0"/>
-              <a:t>17/3/19</a:t>
+              <a:t>18/3/19</a:t>
             </a:fld>
             <a:endParaRPr lang="es-ES"/>
           </a:p>
@@ -1840,7 +1840,7 @@
           <a:p>
             <a:fld id="{F2A9C4BB-7FBF-4480-9AB7-7564D143DE6A}" type="datetimeFigureOut">
               <a:rPr lang="es-ES" smtClean="0"/>
-              <a:t>17/3/19</a:t>
+              <a:t>18/3/19</a:t>
             </a:fld>
             <a:endParaRPr lang="es-ES"/>
           </a:p>
@@ -1981,7 +1981,7 @@
           <a:p>
             <a:fld id="{F2A9C4BB-7FBF-4480-9AB7-7564D143DE6A}" type="datetimeFigureOut">
               <a:rPr lang="es-ES" smtClean="0"/>
-              <a:t>17/3/19</a:t>
+              <a:t>18/3/19</a:t>
             </a:fld>
             <a:endParaRPr lang="es-ES"/>
           </a:p>
@@ -2094,7 +2094,7 @@
           <a:p>
             <a:fld id="{F2A9C4BB-7FBF-4480-9AB7-7564D143DE6A}" type="datetimeFigureOut">
               <a:rPr lang="es-ES" smtClean="0"/>
-              <a:t>17/3/19</a:t>
+              <a:t>18/3/19</a:t>
             </a:fld>
             <a:endParaRPr lang="es-ES"/>
           </a:p>
@@ -2405,7 +2405,7 @@
           <a:p>
             <a:fld id="{F2A9C4BB-7FBF-4480-9AB7-7564D143DE6A}" type="datetimeFigureOut">
               <a:rPr lang="es-ES" smtClean="0"/>
-              <a:t>17/3/19</a:t>
+              <a:t>18/3/19</a:t>
             </a:fld>
             <a:endParaRPr lang="es-ES"/>
           </a:p>
@@ -2693,7 +2693,7 @@
           <a:p>
             <a:fld id="{F2A9C4BB-7FBF-4480-9AB7-7564D143DE6A}" type="datetimeFigureOut">
               <a:rPr lang="es-ES" smtClean="0"/>
-              <a:t>17/3/19</a:t>
+              <a:t>18/3/19</a:t>
             </a:fld>
             <a:endParaRPr lang="es-ES"/>
           </a:p>
@@ -2934,7 +2934,7 @@
           <a:p>
             <a:fld id="{F2A9C4BB-7FBF-4480-9AB7-7564D143DE6A}" type="datetimeFigureOut">
               <a:rPr lang="es-ES" smtClean="0"/>
-              <a:t>17/3/19</a:t>
+              <a:t>18/3/19</a:t>
             </a:fld>
             <a:endParaRPr lang="es-ES"/>
           </a:p>
@@ -3488,13 +3488,8 @@
           <a:p>
             <a:r>
               <a:rPr lang="es-ES" dirty="0"/>
-              <a:t>Juan Carlos Macías </a:t>
-            </a:r>
-            <a:r>
-              <a:rPr lang="es-ES" dirty="0" err="1"/>
-              <a:t>Vellarino</a:t>
-            </a:r>
-            <a:endParaRPr lang="es-ES" dirty="0"/>
+              <a:t>Juan Carlos Macías Vellarino</a:t>
+            </a:r>
           </a:p>
         </p:txBody>
       </p:sp>
